--- a/GATE/Operating System 10% - Completed/CH 05 - Memory Management - completed/Types of Question from MM.pptx
+++ b/GATE/Operating System 10% - Completed/CH 05 - Memory Management - completed/Types of Question from MM.pptx
@@ -280,7 +280,7 @@
           <a:p>
             <a:fld id="{04AC843D-DCF7-48B1-920A-2F35EF3B9961}" type="datetimeFigureOut">
               <a:rPr lang="en-IN" smtClean="0"/>
-              <a:t>27-11-2025</a:t>
+              <a:t>20-12-2025</a:t>
             </a:fld>
             <a:endParaRPr lang="en-IN"/>
           </a:p>
@@ -480,7 +480,7 @@
           <a:p>
             <a:fld id="{04AC843D-DCF7-48B1-920A-2F35EF3B9961}" type="datetimeFigureOut">
               <a:rPr lang="en-IN" smtClean="0"/>
-              <a:t>27-11-2025</a:t>
+              <a:t>20-12-2025</a:t>
             </a:fld>
             <a:endParaRPr lang="en-IN"/>
           </a:p>
@@ -690,7 +690,7 @@
           <a:p>
             <a:fld id="{04AC843D-DCF7-48B1-920A-2F35EF3B9961}" type="datetimeFigureOut">
               <a:rPr lang="en-IN" smtClean="0"/>
-              <a:t>27-11-2025</a:t>
+              <a:t>20-12-2025</a:t>
             </a:fld>
             <a:endParaRPr lang="en-IN"/>
           </a:p>
@@ -890,7 +890,7 @@
           <a:p>
             <a:fld id="{04AC843D-DCF7-48B1-920A-2F35EF3B9961}" type="datetimeFigureOut">
               <a:rPr lang="en-IN" smtClean="0"/>
-              <a:t>27-11-2025</a:t>
+              <a:t>20-12-2025</a:t>
             </a:fld>
             <a:endParaRPr lang="en-IN"/>
           </a:p>
@@ -1166,7 +1166,7 @@
           <a:p>
             <a:fld id="{04AC843D-DCF7-48B1-920A-2F35EF3B9961}" type="datetimeFigureOut">
               <a:rPr lang="en-IN" smtClean="0"/>
-              <a:t>27-11-2025</a:t>
+              <a:t>20-12-2025</a:t>
             </a:fld>
             <a:endParaRPr lang="en-IN"/>
           </a:p>
@@ -1434,7 +1434,7 @@
           <a:p>
             <a:fld id="{04AC843D-DCF7-48B1-920A-2F35EF3B9961}" type="datetimeFigureOut">
               <a:rPr lang="en-IN" smtClean="0"/>
-              <a:t>27-11-2025</a:t>
+              <a:t>20-12-2025</a:t>
             </a:fld>
             <a:endParaRPr lang="en-IN"/>
           </a:p>
@@ -1849,7 +1849,7 @@
           <a:p>
             <a:fld id="{04AC843D-DCF7-48B1-920A-2F35EF3B9961}" type="datetimeFigureOut">
               <a:rPr lang="en-IN" smtClean="0"/>
-              <a:t>27-11-2025</a:t>
+              <a:t>20-12-2025</a:t>
             </a:fld>
             <a:endParaRPr lang="en-IN"/>
           </a:p>
@@ -1991,7 +1991,7 @@
           <a:p>
             <a:fld id="{04AC843D-DCF7-48B1-920A-2F35EF3B9961}" type="datetimeFigureOut">
               <a:rPr lang="en-IN" smtClean="0"/>
-              <a:t>27-11-2025</a:t>
+              <a:t>20-12-2025</a:t>
             </a:fld>
             <a:endParaRPr lang="en-IN"/>
           </a:p>
@@ -2104,7 +2104,7 @@
           <a:p>
             <a:fld id="{04AC843D-DCF7-48B1-920A-2F35EF3B9961}" type="datetimeFigureOut">
               <a:rPr lang="en-IN" smtClean="0"/>
-              <a:t>27-11-2025</a:t>
+              <a:t>20-12-2025</a:t>
             </a:fld>
             <a:endParaRPr lang="en-IN"/>
           </a:p>
@@ -2417,7 +2417,7 @@
           <a:p>
             <a:fld id="{04AC843D-DCF7-48B1-920A-2F35EF3B9961}" type="datetimeFigureOut">
               <a:rPr lang="en-IN" smtClean="0"/>
-              <a:t>27-11-2025</a:t>
+              <a:t>20-12-2025</a:t>
             </a:fld>
             <a:endParaRPr lang="en-IN"/>
           </a:p>
@@ -2706,7 +2706,7 @@
           <a:p>
             <a:fld id="{04AC843D-DCF7-48B1-920A-2F35EF3B9961}" type="datetimeFigureOut">
               <a:rPr lang="en-IN" smtClean="0"/>
-              <a:t>27-11-2025</a:t>
+              <a:t>20-12-2025</a:t>
             </a:fld>
             <a:endParaRPr lang="en-IN"/>
           </a:p>
@@ -2949,7 +2949,7 @@
           <a:p>
             <a:fld id="{04AC843D-DCF7-48B1-920A-2F35EF3B9961}" type="datetimeFigureOut">
               <a:rPr lang="en-IN" smtClean="0"/>
-              <a:t>27-11-2025</a:t>
+              <a:t>20-12-2025</a:t>
             </a:fld>
             <a:endParaRPr lang="en-IN"/>
           </a:p>
@@ -5041,6 +5041,66 @@
           </a:prstGeom>
         </p:spPr>
       </p:pic>
+      <p:pic>
+        <p:nvPicPr>
+          <p:cNvPr id="6" name="Picture 2">
+            <a:extLst>
+              <a:ext uri="{FF2B5EF4-FFF2-40B4-BE49-F238E27FC236}">
+                <a16:creationId xmlns:a16="http://schemas.microsoft.com/office/drawing/2014/main" id="{525EE193-0882-4A03-A958-8D4A40BE8AD3}"/>
+              </a:ext>
+            </a:extLst>
+          </p:cNvPr>
+          <p:cNvPicPr>
+            <a:picLocks noChangeAspect="1" noChangeArrowheads="1"/>
+          </p:cNvPicPr>
+          <p:nvPr/>
+        </p:nvPicPr>
+        <p:blipFill>
+          <a:blip r:embed="rId5">
+            <a:extLst>
+              <a:ext uri="{BEBA8EAE-BF5A-486C-A8C5-ECC9F3942E4B}">
+                <a14:imgProps xmlns:a14="http://schemas.microsoft.com/office/drawing/2010/main">
+                  <a14:imgLayer r:embed="rId6">
+                    <a14:imgEffect>
+                      <a14:backgroundRemoval t="4730" b="89865" l="4730" r="90541">
+                        <a14:foregroundMark x1="6081" y1="35811" x2="6081" y2="35811"/>
+                        <a14:foregroundMark x1="49324" y1="5405" x2="49324" y2="5405"/>
+                        <a14:foregroundMark x1="90541" y1="37162" x2="90541" y2="37162"/>
+                      </a14:backgroundRemoval>
+                    </a14:imgEffect>
+                  </a14:imgLayer>
+                </a14:imgProps>
+              </a:ext>
+              <a:ext uri="{28A0092B-C50C-407E-A947-70E740481C1C}">
+                <a14:useLocalDpi xmlns:a14="http://schemas.microsoft.com/office/drawing/2010/main" val="0"/>
+              </a:ext>
+            </a:extLst>
+          </a:blip>
+          <a:srcRect/>
+          <a:stretch>
+            <a:fillRect/>
+          </a:stretch>
+        </p:blipFill>
+        <p:spPr bwMode="auto">
+          <a:xfrm>
+            <a:off x="956444" y="67925"/>
+            <a:ext cx="494091" cy="494091"/>
+          </a:xfrm>
+          <a:prstGeom prst="rect">
+            <a:avLst/>
+          </a:prstGeom>
+          <a:noFill/>
+          <a:extLst>
+            <a:ext uri="{909E8E84-426E-40DD-AFC4-6F175D3DCCD1}">
+              <a14:hiddenFill xmlns:a14="http://schemas.microsoft.com/office/drawing/2010/main">
+                <a:solidFill>
+                  <a:srgbClr val="FFFFFF"/>
+                </a:solidFill>
+              </a14:hiddenFill>
+            </a:ext>
+          </a:extLst>
+        </p:spPr>
+      </p:pic>
     </p:spTree>
     <p:extLst>
       <p:ext uri="{BB962C8B-B14F-4D97-AF65-F5344CB8AC3E}">
@@ -5279,6 +5339,66 @@
           <a:prstGeom prst="rect">
             <a:avLst/>
           </a:prstGeom>
+        </p:spPr>
+      </p:pic>
+      <p:pic>
+        <p:nvPicPr>
+          <p:cNvPr id="1026" name="Picture 2">
+            <a:extLst>
+              <a:ext uri="{FF2B5EF4-FFF2-40B4-BE49-F238E27FC236}">
+                <a16:creationId xmlns:a16="http://schemas.microsoft.com/office/drawing/2014/main" id="{1149AA0F-FA7A-4092-8FB5-ECCA2D2F9970}"/>
+              </a:ext>
+            </a:extLst>
+          </p:cNvPr>
+          <p:cNvPicPr>
+            <a:picLocks noChangeAspect="1" noChangeArrowheads="1"/>
+          </p:cNvPicPr>
+          <p:nvPr/>
+        </p:nvPicPr>
+        <p:blipFill>
+          <a:blip r:embed="rId5">
+            <a:extLst>
+              <a:ext uri="{BEBA8EAE-BF5A-486C-A8C5-ECC9F3942E4B}">
+                <a14:imgProps xmlns:a14="http://schemas.microsoft.com/office/drawing/2010/main">
+                  <a14:imgLayer r:embed="rId6">
+                    <a14:imgEffect>
+                      <a14:backgroundRemoval t="4730" b="89865" l="4730" r="90541">
+                        <a14:foregroundMark x1="6081" y1="35811" x2="6081" y2="35811"/>
+                        <a14:foregroundMark x1="49324" y1="5405" x2="49324" y2="5405"/>
+                        <a14:foregroundMark x1="90541" y1="37162" x2="90541" y2="37162"/>
+                      </a14:backgroundRemoval>
+                    </a14:imgEffect>
+                  </a14:imgLayer>
+                </a14:imgProps>
+              </a:ext>
+              <a:ext uri="{28A0092B-C50C-407E-A947-70E740481C1C}">
+                <a14:useLocalDpi xmlns:a14="http://schemas.microsoft.com/office/drawing/2010/main" val="0"/>
+              </a:ext>
+            </a:extLst>
+          </a:blip>
+          <a:srcRect/>
+          <a:stretch>
+            <a:fillRect/>
+          </a:stretch>
+        </p:blipFill>
+        <p:spPr bwMode="auto">
+          <a:xfrm>
+            <a:off x="947017" y="2413899"/>
+            <a:ext cx="494091" cy="494091"/>
+          </a:xfrm>
+          <a:prstGeom prst="rect">
+            <a:avLst/>
+          </a:prstGeom>
+          <a:noFill/>
+          <a:extLst>
+            <a:ext uri="{909E8E84-426E-40DD-AFC4-6F175D3DCCD1}">
+              <a14:hiddenFill xmlns:a14="http://schemas.microsoft.com/office/drawing/2010/main">
+                <a:solidFill>
+                  <a:srgbClr val="FFFFFF"/>
+                </a:solidFill>
+              </a14:hiddenFill>
+            </a:ext>
+          </a:extLst>
         </p:spPr>
       </p:pic>
     </p:spTree>
